--- a/工夫点.pptx
+++ b/工夫点.pptx
@@ -2236,7 +2236,7 @@
         </p:nvSpPr>
         <p:spPr>
           <a:xfrm>
-            <a:off x="58758" y="1236080"/>
+            <a:off x="58753" y="1063594"/>
             <a:ext cx="12600000" cy="8352000"/>
           </a:xfrm>
           <a:prstGeom prst="rect">
@@ -2790,8 +2790,8 @@
         </p:nvSpPr>
         <p:spPr>
           <a:xfrm>
-            <a:off x="2603275" y="1292282"/>
-            <a:ext cx="6118347" cy="338554"/>
+            <a:off x="2513702" y="1388529"/>
+            <a:ext cx="7200780" cy="400110"/>
           </a:xfrm>
           <a:prstGeom prst="rect">
             <a:avLst/>
@@ -2805,10 +2805,10 @@
           <a:lstStyle/>
           <a:p>
             <a:r>
-              <a:rPr kumimoji="1" lang="ja-JP" altLang="en-US"/>
+              <a:rPr kumimoji="1" lang="ja-JP" altLang="en-US" sz="2000" b="1"/>
               <a:t>カーブを安定して曲がり切るための旋回量を取得したい</a:t>
             </a:r>
-            <a:endParaRPr kumimoji="1" lang="en-US" altLang="ja-JP" dirty="0"/>
+            <a:endParaRPr kumimoji="1" lang="en-US" altLang="ja-JP" sz="2000" b="1" dirty="0"/>
           </a:p>
         </p:txBody>
       </p:sp>
@@ -2866,7 +2866,7 @@
             </a:r>
             <a:r>
               <a:rPr lang="ja-JP" altLang="en-US" sz="1050"/>
-              <a:t>種類のパラメータを用意することにした．下に分割したコースを示す．また，各区間の曲率を表に示す．</a:t>
+              <a:t>種類のパラメータを用意した．下に分割したコースを示す．また，各区間の曲率を表に示す．</a:t>
             </a:r>
             <a:endParaRPr lang="en-US" altLang="ja-JP" sz="1050" dirty="0"/>
           </a:p>
@@ -2908,46 +2908,6 @@
           </a:prstGeom>
         </p:spPr>
       </p:pic>
-      <p:sp>
-        <p:nvSpPr>
-          <p:cNvPr id="21" name="テキスト ボックス 20">
-            <a:extLst>
-              <a:ext uri="{FF2B5EF4-FFF2-40B4-BE49-F238E27FC236}">
-                <a16:creationId xmlns:a16="http://schemas.microsoft.com/office/drawing/2014/main" id="{32B76AD1-A41E-5743-96B7-35954C138B46}"/>
-              </a:ext>
-            </a:extLst>
-          </p:cNvPr>
-          <p:cNvSpPr txBox="1"/>
-          <p:nvPr/>
-        </p:nvSpPr>
-        <p:spPr>
-          <a:xfrm>
-            <a:off x="234386" y="7809056"/>
-            <a:ext cx="5565277" cy="338554"/>
-          </a:xfrm>
-          <a:prstGeom prst="rect">
-            <a:avLst/>
-          </a:prstGeom>
-          <a:noFill/>
-        </p:spPr>
-        <p:txBody>
-          <a:bodyPr wrap="square" rtlCol="0">
-            <a:spAutoFit/>
-          </a:bodyPr>
-          <a:lstStyle/>
-          <a:p>
-            <a:r>
-              <a:rPr kumimoji="1" lang="en-US" altLang="ja-JP" dirty="0"/>
-              <a:t>4.3 </a:t>
-            </a:r>
-            <a:r>
-              <a:rPr kumimoji="1" lang="ja-JP" altLang="en-US"/>
-              <a:t>効果の検証</a:t>
-            </a:r>
-            <a:endParaRPr kumimoji="1" lang="en-US" altLang="ja-JP" dirty="0"/>
-          </a:p>
-        </p:txBody>
-      </p:sp>
       <p:cxnSp>
         <p:nvCxnSpPr>
           <p:cNvPr id="22" name="直線コネクタ 21">
@@ -3074,139 +3034,6 @@
           </a:p>
         </p:txBody>
       </p:sp>
-      <p:grpSp>
-        <p:nvGrpSpPr>
-          <p:cNvPr id="30" name="グループ化 29">
-            <a:extLst>
-              <a:ext uri="{FF2B5EF4-FFF2-40B4-BE49-F238E27FC236}">
-                <a16:creationId xmlns:a16="http://schemas.microsoft.com/office/drawing/2014/main" id="{634AA294-9409-5446-9205-04614ADCBB72}"/>
-              </a:ext>
-            </a:extLst>
-          </p:cNvPr>
-          <p:cNvGrpSpPr/>
-          <p:nvPr/>
-        </p:nvGrpSpPr>
-        <p:grpSpPr>
-          <a:xfrm>
-            <a:off x="6935972" y="6864904"/>
-            <a:ext cx="2101993" cy="277304"/>
-            <a:chOff x="1078583" y="6309861"/>
-            <a:chExt cx="2101993" cy="277304"/>
-          </a:xfrm>
-        </p:grpSpPr>
-        <p:sp>
-          <p:nvSpPr>
-            <p:cNvPr id="29" name="ホームベース 28">
-              <a:extLst>
-                <a:ext uri="{FF2B5EF4-FFF2-40B4-BE49-F238E27FC236}">
-                  <a16:creationId xmlns:a16="http://schemas.microsoft.com/office/drawing/2014/main" id="{BE9A4BCE-48DF-2B49-9085-49721D081599}"/>
-                </a:ext>
-              </a:extLst>
-            </p:cNvPr>
-            <p:cNvSpPr/>
-            <p:nvPr/>
-          </p:nvSpPr>
-          <p:spPr>
-            <a:xfrm>
-              <a:off x="1078584" y="6309861"/>
-              <a:ext cx="2101992" cy="277304"/>
-            </a:xfrm>
-            <a:prstGeom prst="homePlate">
-              <a:avLst/>
-            </a:prstGeom>
-            <a:ln>
-              <a:noFill/>
-            </a:ln>
-          </p:spPr>
-          <p:style>
-            <a:lnRef idx="3">
-              <a:schemeClr val="lt1"/>
-            </a:lnRef>
-            <a:fillRef idx="1">
-              <a:schemeClr val="accent6"/>
-            </a:fillRef>
-            <a:effectRef idx="1">
-              <a:schemeClr val="accent6"/>
-            </a:effectRef>
-            <a:fontRef idx="minor">
-              <a:schemeClr val="lt1"/>
-            </a:fontRef>
-          </p:style>
-          <p:txBody>
-            <a:bodyPr rtlCol="0" anchor="ctr"/>
-            <a:lstStyle/>
-            <a:p>
-              <a:pPr algn="ctr"/>
-              <a:endParaRPr kumimoji="1" lang="ja-JP" altLang="en-US">
-                <a:highlight>
-                  <a:srgbClr val="FFFF00"/>
-                </a:highlight>
-              </a:endParaRPr>
-            </a:p>
-          </p:txBody>
-        </p:sp>
-        <p:sp>
-          <p:nvSpPr>
-            <p:cNvPr id="28" name="テキスト ボックス 27">
-              <a:extLst>
-                <a:ext uri="{FF2B5EF4-FFF2-40B4-BE49-F238E27FC236}">
-                  <a16:creationId xmlns:a16="http://schemas.microsoft.com/office/drawing/2014/main" id="{51367944-7250-6445-BF75-0A3DB15019B4}"/>
-                </a:ext>
-              </a:extLst>
-            </p:cNvPr>
-            <p:cNvSpPr txBox="1"/>
-            <p:nvPr/>
-          </p:nvSpPr>
-          <p:spPr>
-            <a:xfrm>
-              <a:off x="1078583" y="6324413"/>
-              <a:ext cx="1973425" cy="253916"/>
-            </a:xfrm>
-            <a:prstGeom prst="rect">
-              <a:avLst/>
-            </a:prstGeom>
-            <a:noFill/>
-          </p:spPr>
-          <p:txBody>
-            <a:bodyPr wrap="square" rtlCol="0">
-              <a:spAutoFit/>
-            </a:bodyPr>
-            <a:lstStyle/>
-            <a:p>
-              <a:pPr algn="ctr"/>
-              <a:r>
-                <a:rPr lang="ja-JP" altLang="en-US" sz="1050">
-                  <a:solidFill>
-                    <a:schemeClr val="bg1"/>
-                  </a:solidFill>
-                </a:rPr>
-                <a:t>試走会</a:t>
-              </a:r>
-              <a:r>
-                <a:rPr lang="en-US" altLang="ja-JP" sz="1050" dirty="0">
-                  <a:solidFill>
-                    <a:schemeClr val="bg1"/>
-                  </a:solidFill>
-                </a:rPr>
-                <a:t>1</a:t>
-              </a:r>
-              <a:r>
-                <a:rPr lang="ja-JP" altLang="en-US" sz="1050">
-                  <a:solidFill>
-                    <a:schemeClr val="bg1"/>
-                  </a:solidFill>
-                </a:rPr>
-                <a:t>での走行ログから算出</a:t>
-              </a:r>
-              <a:endParaRPr lang="en-US" altLang="ja-JP" sz="1050" dirty="0">
-                <a:solidFill>
-                  <a:schemeClr val="bg1"/>
-                </a:solidFill>
-              </a:endParaRPr>
-            </a:p>
-          </p:txBody>
-        </p:sp>
-      </p:grpSp>
       <p:sp>
         <p:nvSpPr>
           <p:cNvPr id="31" name="テキスト ボックス 30">
@@ -3345,8 +3172,8 @@
               <a:chExt cx="3944043" cy="410753"/>
             </a:xfrm>
           </p:grpSpPr>
-          <mc:AlternateContent xmlns:mc="http://schemas.openxmlformats.org/markup-compatibility/2006">
-            <mc:Choice xmlns:a14="http://schemas.microsoft.com/office/drawing/2010/main" Requires="a14">
+          <mc:AlternateContent xmlns:mc="http://schemas.openxmlformats.org/markup-compatibility/2006" xmlns:a14="http://schemas.microsoft.com/office/drawing/2010/main">
+            <mc:Choice Requires="a14">
               <p:sp>
                 <p:nvSpPr>
                   <p:cNvPr id="35" name="テキスト ボックス 34">
@@ -3375,6 +3202,7 @@
                   </a:bodyPr>
                   <a:lstStyle/>
                   <a:p>
+                    <a:pPr/>
                     <a14:m>
                       <m:oMathPara xmlns:m="http://schemas.openxmlformats.org/officeDocument/2006/math">
                         <m:oMathParaPr>
@@ -3756,7 +3584,7 @@
                 </p:txBody>
               </p:sp>
             </mc:Choice>
-            <mc:Fallback>
+            <mc:Fallback xmlns="">
               <p:sp>
                 <p:nvSpPr>
                   <p:cNvPr id="35" name="テキスト ボックス 34">
@@ -3905,8 +3733,8 @@
                   <a:chExt cx="1918364" cy="640583"/>
                 </a:xfrm>
               </p:grpSpPr>
-              <mc:AlternateContent xmlns:mc="http://schemas.openxmlformats.org/markup-compatibility/2006">
-                <mc:Choice xmlns:a14="http://schemas.microsoft.com/office/drawing/2010/main" Requires="a14">
+              <mc:AlternateContent xmlns:mc="http://schemas.openxmlformats.org/markup-compatibility/2006" xmlns:a14="http://schemas.microsoft.com/office/drawing/2010/main">
+                <mc:Choice Requires="a14">
                   <p:sp>
                     <p:nvSpPr>
                       <p:cNvPr id="40" name="テキスト ボックス 39">
@@ -4076,6 +3904,7 @@
                         </a:endParaRPr>
                       </a:p>
                       <a:p>
+                        <a:pPr/>
                         <a14:m>
                           <m:oMathPara xmlns:m="http://schemas.openxmlformats.org/officeDocument/2006/math">
                             <m:oMathParaPr>
@@ -4119,6 +3948,7 @@
                         </a:endParaRPr>
                       </a:p>
                       <a:p>
+                        <a:pPr/>
                         <a14:m>
                           <m:oMathPara xmlns:m="http://schemas.openxmlformats.org/officeDocument/2006/math">
                             <m:oMathParaPr>
@@ -4150,7 +3980,7 @@
                     </p:txBody>
                   </p:sp>
                 </mc:Choice>
-                <mc:Fallback>
+                <mc:Fallback xmlns="">
                   <p:sp>
                     <p:nvSpPr>
                       <p:cNvPr id="40" name="テキスト ボックス 39">
@@ -4555,7 +4385,7 @@
                 <a:latin typeface="HG丸ｺﾞｼｯｸM-PRO" panose="020F0600000000000000" pitchFamily="50" charset="-128"/>
                 <a:ea typeface="HG丸ｺﾞｼｯｸM-PRO" panose="020F0600000000000000" pitchFamily="50" charset="-128"/>
               </a:rPr>
-              <a:t>．バッテリ電圧補正係数の導入</a:t>
+              <a:t>．バッテリ電圧補償係数の導入</a:t>
             </a:r>
             <a:endParaRPr lang="en-US" altLang="ja-JP" b="1" dirty="0">
               <a:latin typeface="HG丸ｺﾞｼｯｸM-PRO" panose="020F0600000000000000" pitchFamily="50" charset="-128"/>
@@ -9184,6 +9014,1559 @@
           </a:graphicData>
         </a:graphic>
       </p:graphicFrame>
+      <p:sp>
+        <p:nvSpPr>
+          <p:cNvPr id="48" name="テキスト ボックス 47">
+            <a:extLst>
+              <a:ext uri="{FF2B5EF4-FFF2-40B4-BE49-F238E27FC236}">
+                <a16:creationId xmlns:a16="http://schemas.microsoft.com/office/drawing/2014/main" id="{32AE2F22-BB70-5242-B849-D3D2612F6011}"/>
+              </a:ext>
+            </a:extLst>
+          </p:cNvPr>
+          <p:cNvSpPr txBox="1"/>
+          <p:nvPr/>
+        </p:nvSpPr>
+        <p:spPr>
+          <a:xfrm>
+            <a:off x="6639339" y="2335142"/>
+            <a:ext cx="6019414" cy="577081"/>
+          </a:xfrm>
+          <a:prstGeom prst="rect">
+            <a:avLst/>
+          </a:prstGeom>
+          <a:noFill/>
+        </p:spPr>
+        <p:txBody>
+          <a:bodyPr wrap="square" rtlCol="0">
+            <a:spAutoFit/>
+          </a:bodyPr>
+          <a:lstStyle/>
+          <a:p>
+            <a:r>
+              <a:rPr lang="ja-JP" altLang="en-US" sz="1050"/>
+              <a:t>曲率制御導入後，同じ旋回指令値を入力しても日によって旋回曲率が異なることに気づいた．この時，原因はバッテリ電圧にあると考え，新品のオフィシャルバッテリの放電特性と電圧の低下による旋回曲率への影響を調査した．</a:t>
+            </a:r>
+            <a:endParaRPr lang="en-US" altLang="ja-JP" sz="1050" dirty="0"/>
+          </a:p>
+        </p:txBody>
+      </p:sp>
+      <p:pic>
+        <p:nvPicPr>
+          <p:cNvPr id="8" name="図 7">
+            <a:extLst>
+              <a:ext uri="{FF2B5EF4-FFF2-40B4-BE49-F238E27FC236}">
+                <a16:creationId xmlns:a16="http://schemas.microsoft.com/office/drawing/2014/main" id="{41595596-0091-2A46-AAC6-999F2F209255}"/>
+              </a:ext>
+            </a:extLst>
+          </p:cNvPr>
+          <p:cNvPicPr>
+            <a:picLocks noChangeAspect="1"/>
+          </p:cNvPicPr>
+          <p:nvPr/>
+        </p:nvPicPr>
+        <p:blipFill>
+          <a:blip r:embed="rId5">
+            <a:extLst>
+              <a:ext uri="{28A0092B-C50C-407E-A947-70E740481C1C}">
+                <a14:useLocalDpi xmlns:a14="http://schemas.microsoft.com/office/drawing/2010/main" val="0"/>
+              </a:ext>
+            </a:extLst>
+          </a:blip>
+          <a:stretch>
+            <a:fillRect/>
+          </a:stretch>
+        </p:blipFill>
+        <p:spPr>
+          <a:xfrm>
+            <a:off x="9649046" y="2863301"/>
+            <a:ext cx="2806350" cy="2174289"/>
+          </a:xfrm>
+          <a:prstGeom prst="rect">
+            <a:avLst/>
+          </a:prstGeom>
+        </p:spPr>
+      </p:pic>
+      <p:pic>
+        <p:nvPicPr>
+          <p:cNvPr id="19" name="図 18">
+            <a:extLst>
+              <a:ext uri="{FF2B5EF4-FFF2-40B4-BE49-F238E27FC236}">
+                <a16:creationId xmlns:a16="http://schemas.microsoft.com/office/drawing/2014/main" id="{85E5B29D-C00B-7649-95C0-BA7A98025DEB}"/>
+              </a:ext>
+            </a:extLst>
+          </p:cNvPr>
+          <p:cNvPicPr>
+            <a:picLocks noChangeAspect="1"/>
+          </p:cNvPicPr>
+          <p:nvPr/>
+        </p:nvPicPr>
+        <p:blipFill>
+          <a:blip r:embed="rId6">
+            <a:extLst>
+              <a:ext uri="{28A0092B-C50C-407E-A947-70E740481C1C}">
+                <a14:useLocalDpi xmlns:a14="http://schemas.microsoft.com/office/drawing/2010/main" val="0"/>
+              </a:ext>
+            </a:extLst>
+          </a:blip>
+          <a:stretch>
+            <a:fillRect/>
+          </a:stretch>
+        </p:blipFill>
+        <p:spPr>
+          <a:xfrm>
+            <a:off x="6588118" y="2866749"/>
+            <a:ext cx="2806351" cy="2174290"/>
+          </a:xfrm>
+          <a:prstGeom prst="rect">
+            <a:avLst/>
+          </a:prstGeom>
+        </p:spPr>
+      </p:pic>
+      <p:sp>
+        <p:nvSpPr>
+          <p:cNvPr id="54" name="テキスト ボックス 53">
+            <a:extLst>
+              <a:ext uri="{FF2B5EF4-FFF2-40B4-BE49-F238E27FC236}">
+                <a16:creationId xmlns:a16="http://schemas.microsoft.com/office/drawing/2014/main" id="{123D4000-2C1A-7C46-A577-52E76E9387C4}"/>
+              </a:ext>
+            </a:extLst>
+          </p:cNvPr>
+          <p:cNvSpPr txBox="1"/>
+          <p:nvPr/>
+        </p:nvSpPr>
+        <p:spPr>
+          <a:xfrm>
+            <a:off x="6631908" y="5104088"/>
+            <a:ext cx="2865366" cy="738664"/>
+          </a:xfrm>
+          <a:prstGeom prst="rect">
+            <a:avLst/>
+          </a:prstGeom>
+          <a:noFill/>
+        </p:spPr>
+        <p:txBody>
+          <a:bodyPr wrap="square" rtlCol="0">
+            <a:spAutoFit/>
+          </a:bodyPr>
+          <a:lstStyle/>
+          <a:p>
+            <a:r>
+              <a:rPr lang="ja-JP" altLang="en-US" sz="1050"/>
+              <a:t>初めの</a:t>
+            </a:r>
+            <a:r>
+              <a:rPr lang="en-US" altLang="ja-JP" sz="1050" dirty="0"/>
+              <a:t>3</a:t>
+            </a:r>
+            <a:r>
+              <a:rPr lang="ja-JP" altLang="en-US" sz="1050"/>
+              <a:t>分間で</a:t>
+            </a:r>
+            <a:r>
+              <a:rPr lang="en-US" altLang="ja-JP" sz="1050" dirty="0"/>
+              <a:t>7.4</a:t>
+            </a:r>
+            <a:r>
+              <a:rPr lang="ja-JP" altLang="en-US" sz="1050"/>
+              <a:t>程度まで低下し，その後</a:t>
+            </a:r>
+            <a:r>
+              <a:rPr lang="en-US" altLang="ja-JP" sz="1050" dirty="0"/>
+              <a:t>130</a:t>
+            </a:r>
+            <a:r>
+              <a:rPr lang="ja-JP" altLang="en-US" sz="1050"/>
+              <a:t>分かけて緩やかに</a:t>
+            </a:r>
+            <a:r>
+              <a:rPr lang="en-US" altLang="ja-JP" sz="1050" dirty="0"/>
+              <a:t>5.5V</a:t>
+            </a:r>
+            <a:r>
+              <a:rPr lang="ja-JP" altLang="en-US" sz="1050"/>
+              <a:t>ほどまで低下した．</a:t>
+            </a:r>
+            <a:endParaRPr lang="en-US" altLang="ja-JP" sz="1050" dirty="0"/>
+          </a:p>
+          <a:p>
+            <a:r>
+              <a:rPr lang="en-US" altLang="ja-JP" sz="1050" dirty="0"/>
+              <a:t>→</a:t>
+            </a:r>
+            <a:r>
+              <a:rPr lang="ja-JP" altLang="en-US" sz="1050"/>
+              <a:t>競技中の電圧の急変を防ぐには新品のバッテリではなく，放電させたものを使用すべき</a:t>
+            </a:r>
+            <a:endParaRPr lang="en-US" altLang="ja-JP" sz="1050" dirty="0"/>
+          </a:p>
+        </p:txBody>
+      </p:sp>
+      <p:sp>
+        <p:nvSpPr>
+          <p:cNvPr id="55" name="テキスト ボックス 54">
+            <a:extLst>
+              <a:ext uri="{FF2B5EF4-FFF2-40B4-BE49-F238E27FC236}">
+                <a16:creationId xmlns:a16="http://schemas.microsoft.com/office/drawing/2014/main" id="{C0D396BF-EDF4-E34F-B86E-0E8AF5098339}"/>
+              </a:ext>
+            </a:extLst>
+          </p:cNvPr>
+          <p:cNvSpPr txBox="1"/>
+          <p:nvPr/>
+        </p:nvSpPr>
+        <p:spPr>
+          <a:xfrm>
+            <a:off x="9651620" y="5104088"/>
+            <a:ext cx="2865366" cy="738664"/>
+          </a:xfrm>
+          <a:prstGeom prst="rect">
+            <a:avLst/>
+          </a:prstGeom>
+          <a:noFill/>
+        </p:spPr>
+        <p:txBody>
+          <a:bodyPr wrap="square" rtlCol="0">
+            <a:spAutoFit/>
+          </a:bodyPr>
+          <a:lstStyle/>
+          <a:p>
+            <a:r>
+              <a:rPr lang="ja-JP" altLang="en-US" sz="1050"/>
+              <a:t>電圧が低下するとほぼ線形に旋回曲率が低下していく．</a:t>
+            </a:r>
+            <a:endParaRPr lang="en-US" altLang="ja-JP" sz="1050" dirty="0"/>
+          </a:p>
+          <a:p>
+            <a:r>
+              <a:rPr lang="en-US" altLang="ja-JP" sz="1050" dirty="0"/>
+              <a:t>→</a:t>
+            </a:r>
+            <a:r>
+              <a:rPr lang="ja-JP" altLang="en-US" sz="1050"/>
+              <a:t>旋回曲率を維持するには電圧が低下した際，旋回指令値を上げる</a:t>
+            </a:r>
+            <a:endParaRPr lang="en-US" altLang="ja-JP" sz="1050" dirty="0"/>
+          </a:p>
+        </p:txBody>
+      </p:sp>
+      <p:sp>
+        <p:nvSpPr>
+          <p:cNvPr id="56" name="テキスト ボックス 55">
+            <a:extLst>
+              <a:ext uri="{FF2B5EF4-FFF2-40B4-BE49-F238E27FC236}">
+                <a16:creationId xmlns:a16="http://schemas.microsoft.com/office/drawing/2014/main" id="{89069625-35F0-1846-BFCE-68F06E513D92}"/>
+              </a:ext>
+            </a:extLst>
+          </p:cNvPr>
+          <p:cNvSpPr txBox="1"/>
+          <p:nvPr/>
+        </p:nvSpPr>
+        <p:spPr>
+          <a:xfrm>
+            <a:off x="6513609" y="5953004"/>
+            <a:ext cx="6118347" cy="415498"/>
+          </a:xfrm>
+          <a:prstGeom prst="rect">
+            <a:avLst/>
+          </a:prstGeom>
+          <a:noFill/>
+        </p:spPr>
+        <p:txBody>
+          <a:bodyPr wrap="square" rtlCol="0">
+            <a:spAutoFit/>
+          </a:bodyPr>
+          <a:lstStyle/>
+          <a:p>
+            <a:r>
+              <a:rPr lang="ja-JP" altLang="en-US" sz="1050"/>
+              <a:t>電圧低下による旋回曲率への影響は線形であるとみなし，</a:t>
+            </a:r>
+            <a:r>
+              <a:rPr lang="en-US" altLang="ja-JP" sz="1050" dirty="0"/>
+              <a:t>1.</a:t>
+            </a:r>
+            <a:r>
+              <a:rPr lang="ja-JP" altLang="en-US" sz="1050"/>
+              <a:t>曲率制御の導入で実装した曲率項に電圧低下を補償する係数をかけることで，電圧低下を考慮した旋回量計算式を構築する．</a:t>
+            </a:r>
+            <a:endParaRPr lang="en-US" altLang="ja-JP" sz="1050" dirty="0"/>
+          </a:p>
+        </p:txBody>
+      </p:sp>
+      <p:grpSp>
+        <p:nvGrpSpPr>
+          <p:cNvPr id="57" name="グループ化 56">
+            <a:extLst>
+              <a:ext uri="{FF2B5EF4-FFF2-40B4-BE49-F238E27FC236}">
+                <a16:creationId xmlns:a16="http://schemas.microsoft.com/office/drawing/2014/main" id="{2A0C4D3F-F618-514B-8CA7-4DFA3352DA49}"/>
+              </a:ext>
+            </a:extLst>
+          </p:cNvPr>
+          <p:cNvGrpSpPr/>
+          <p:nvPr/>
+        </p:nvGrpSpPr>
+        <p:grpSpPr>
+          <a:xfrm>
+            <a:off x="6610725" y="6426231"/>
+            <a:ext cx="5956804" cy="936747"/>
+            <a:chOff x="350566" y="6919237"/>
+            <a:chExt cx="5956804" cy="936747"/>
+          </a:xfrm>
+        </p:grpSpPr>
+        <p:grpSp>
+          <p:nvGrpSpPr>
+            <p:cNvPr id="58" name="グループ化 57">
+              <a:extLst>
+                <a:ext uri="{FF2B5EF4-FFF2-40B4-BE49-F238E27FC236}">
+                  <a16:creationId xmlns:a16="http://schemas.microsoft.com/office/drawing/2014/main" id="{5D6A35FB-AC45-AA47-8C8C-4840F26864C8}"/>
+                </a:ext>
+              </a:extLst>
+            </p:cNvPr>
+            <p:cNvGrpSpPr/>
+            <p:nvPr/>
+          </p:nvGrpSpPr>
+          <p:grpSpPr>
+            <a:xfrm>
+              <a:off x="350566" y="7151896"/>
+              <a:ext cx="4012221" cy="410753"/>
+              <a:chOff x="253894" y="6987694"/>
+              <a:chExt cx="4012221" cy="410753"/>
+            </a:xfrm>
+          </p:grpSpPr>
+          <mc:AlternateContent xmlns:mc="http://schemas.openxmlformats.org/markup-compatibility/2006">
+            <mc:Choice xmlns:a14="http://schemas.microsoft.com/office/drawing/2010/main" Requires="a14">
+              <p:sp>
+                <p:nvSpPr>
+                  <p:cNvPr id="67" name="テキスト ボックス 66">
+                    <a:extLst>
+                      <a:ext uri="{FF2B5EF4-FFF2-40B4-BE49-F238E27FC236}">
+                        <a16:creationId xmlns:a16="http://schemas.microsoft.com/office/drawing/2014/main" id="{7B25E209-FEEA-694B-9BE1-F95FC225CFE4}"/>
+                      </a:ext>
+                    </a:extLst>
+                  </p:cNvPr>
+                  <p:cNvSpPr txBox="1"/>
+                  <p:nvPr/>
+                </p:nvSpPr>
+                <p:spPr>
+                  <a:xfrm>
+                    <a:off x="557035" y="6987694"/>
+                    <a:ext cx="3709080" cy="410753"/>
+                  </a:xfrm>
+                  <a:prstGeom prst="rect">
+                    <a:avLst/>
+                  </a:prstGeom>
+                  <a:noFill/>
+                </p:spPr>
+                <p:txBody>
+                  <a:bodyPr wrap="square" lIns="0" tIns="0" rIns="0" bIns="0" rtlCol="0">
+                    <a:spAutoFit/>
+                  </a:bodyPr>
+                  <a:lstStyle/>
+                  <a:p>
+                    <a:pPr/>
+                    <a14:m>
+                      <m:oMathPara xmlns:m="http://schemas.openxmlformats.org/officeDocument/2006/math">
+                        <m:oMathParaPr>
+                          <m:jc m:val="centerGroup"/>
+                        </m:oMathParaPr>
+                        <m:oMath xmlns:m="http://schemas.openxmlformats.org/officeDocument/2006/math">
+                          <m:r>
+                            <a:rPr kumimoji="1" lang="en-US" altLang="ja-JP" sz="1100" b="0" i="1" smtClean="0">
+                              <a:latin typeface="Cambria Math" panose="02040503050406030204" pitchFamily="18" charset="0"/>
+                            </a:rPr>
+                            <m:t>=</m:t>
+                          </m:r>
+                          <m:sSub>
+                            <m:sSubPr>
+                              <m:ctrlPr>
+                                <a:rPr kumimoji="1" lang="en-US" altLang="ja-JP" sz="1100" b="0" i="1" smtClean="0">
+                                  <a:latin typeface="Cambria Math" panose="02040503050406030204" pitchFamily="18" charset="0"/>
+                                </a:rPr>
+                              </m:ctrlPr>
+                            </m:sSubPr>
+                            <m:e>
+                              <m:r>
+                                <m:rPr>
+                                  <m:sty m:val="p"/>
+                                </m:rPr>
+                                <a:rPr kumimoji="1" lang="en-US" altLang="ja-JP" sz="1100" b="0" i="0" smtClean="0">
+                                  <a:latin typeface="Cambria Math" panose="02040503050406030204" pitchFamily="18" charset="0"/>
+                                </a:rPr>
+                                <m:t>K</m:t>
+                              </m:r>
+                            </m:e>
+                            <m:sub>
+                              <m:r>
+                                <m:rPr>
+                                  <m:sty m:val="p"/>
+                                </m:rPr>
+                                <a:rPr kumimoji="1" lang="en-US" altLang="ja-JP" sz="1100" b="0" i="0" smtClean="0">
+                                  <a:latin typeface="Cambria Math" panose="02040503050406030204" pitchFamily="18" charset="0"/>
+                                </a:rPr>
+                                <m:t>P</m:t>
+                              </m:r>
+                            </m:sub>
+                          </m:sSub>
+                          <m:sSub>
+                            <m:sSubPr>
+                              <m:ctrlPr>
+                                <a:rPr lang="en-US" altLang="ja-JP" sz="1100" i="1">
+                                  <a:latin typeface="Cambria Math" panose="02040503050406030204" pitchFamily="18" charset="0"/>
+                                  <a:ea typeface="メイリオ" panose="020B0604030504040204" pitchFamily="50" charset="-128"/>
+                                </a:rPr>
+                              </m:ctrlPr>
+                            </m:sSubPr>
+                            <m:e>
+                              <m:r>
+                                <a:rPr lang="en-US" altLang="ja-JP" sz="1100" i="1">
+                                  <a:latin typeface="Cambria Math" panose="02040503050406030204" pitchFamily="18" charset="0"/>
+                                  <a:ea typeface="Cambria Math" panose="02040503050406030204" pitchFamily="18" charset="0"/>
+                                </a:rPr>
+                                <m:t>𝜖</m:t>
+                              </m:r>
+                            </m:e>
+                            <m:sub>
+                              <m:r>
+                                <a:rPr lang="en-US" altLang="ja-JP" sz="1100" i="1">
+                                  <a:latin typeface="Cambria Math" panose="02040503050406030204" pitchFamily="18" charset="0"/>
+                                  <a:ea typeface="メイリオ" panose="020B0604030504040204" pitchFamily="50" charset="-128"/>
+                                </a:rPr>
+                                <m:t>𝑛</m:t>
+                              </m:r>
+                            </m:sub>
+                          </m:sSub>
+                          <m:r>
+                            <a:rPr kumimoji="1" lang="en-US" altLang="ja-JP" sz="1100" b="0" i="1" smtClean="0">
+                              <a:latin typeface="Cambria Math" panose="02040503050406030204" pitchFamily="18" charset="0"/>
+                            </a:rPr>
+                            <m:t>+</m:t>
+                          </m:r>
+                          <m:sSub>
+                            <m:sSubPr>
+                              <m:ctrlPr>
+                                <a:rPr kumimoji="1" lang="en-US" altLang="ja-JP" sz="1100" b="0" i="1" smtClean="0">
+                                  <a:latin typeface="Cambria Math" panose="02040503050406030204" pitchFamily="18" charset="0"/>
+                                </a:rPr>
+                              </m:ctrlPr>
+                            </m:sSubPr>
+                            <m:e>
+                              <m:r>
+                                <m:rPr>
+                                  <m:sty m:val="p"/>
+                                </m:rPr>
+                                <a:rPr kumimoji="1" lang="en-US" altLang="ja-JP" sz="1100" b="0" i="0" smtClean="0">
+                                  <a:latin typeface="Cambria Math" panose="02040503050406030204" pitchFamily="18" charset="0"/>
+                                </a:rPr>
+                                <m:t>K</m:t>
+                              </m:r>
+                            </m:e>
+                            <m:sub>
+                              <m:r>
+                                <m:rPr>
+                                  <m:sty m:val="p"/>
+                                </m:rPr>
+                                <a:rPr kumimoji="1" lang="en-US" altLang="ja-JP" sz="1100" b="0" i="0" smtClean="0">
+                                  <a:latin typeface="Cambria Math" panose="02040503050406030204" pitchFamily="18" charset="0"/>
+                                </a:rPr>
+                                <m:t>I</m:t>
+                              </m:r>
+                            </m:sub>
+                          </m:sSub>
+                          <m:sSub>
+                            <m:sSubPr>
+                              <m:ctrlPr>
+                                <a:rPr lang="en-US" altLang="ja-JP" sz="1100" i="1">
+                                  <a:latin typeface="Cambria Math" panose="02040503050406030204" pitchFamily="18" charset="0"/>
+                                  <a:ea typeface="メイリオ" panose="020B0604030504040204" pitchFamily="50" charset="-128"/>
+                                </a:rPr>
+                              </m:ctrlPr>
+                            </m:sSubPr>
+                            <m:e>
+                              <m:r>
+                                <a:rPr lang="en-US" altLang="ja-JP" sz="1100" i="1">
+                                  <a:latin typeface="Cambria Math" panose="02040503050406030204" pitchFamily="18" charset="0"/>
+                                  <a:ea typeface="Cambria Math" panose="02040503050406030204" pitchFamily="18" charset="0"/>
+                                </a:rPr>
+                                <m:t>𝜖</m:t>
+                              </m:r>
+                            </m:e>
+                            <m:sub>
+                              <m:r>
+                                <a:rPr lang="en-US" altLang="ja-JP" sz="1100" i="1">
+                                  <a:latin typeface="Cambria Math" panose="02040503050406030204" pitchFamily="18" charset="0"/>
+                                  <a:ea typeface="メイリオ" panose="020B0604030504040204" pitchFamily="50" charset="-128"/>
+                                </a:rPr>
+                                <m:t>𝑛</m:t>
+                              </m:r>
+                            </m:sub>
+                          </m:sSub>
+                          <m:nary>
+                            <m:naryPr>
+                              <m:chr m:val="∑"/>
+                              <m:supHide m:val="on"/>
+                              <m:ctrlPr>
+                                <a:rPr lang="en-US" altLang="ja-JP" sz="1100" i="1" smtClean="0">
+                                  <a:latin typeface="Cambria Math" panose="02040503050406030204" pitchFamily="18" charset="0"/>
+                                  <a:ea typeface="メイリオ" panose="020B0604030504040204" pitchFamily="50" charset="-128"/>
+                                </a:rPr>
+                              </m:ctrlPr>
+                            </m:naryPr>
+                            <m:sub>
+                              <m:r>
+                                <m:rPr>
+                                  <m:brk m:alnAt="7"/>
+                                </m:rPr>
+                                <a:rPr lang="en-US" altLang="ja-JP" sz="1100" b="0" i="1" smtClean="0">
+                                  <a:latin typeface="Cambria Math" panose="02040503050406030204" pitchFamily="18" charset="0"/>
+                                  <a:ea typeface="メイリオ" panose="020B0604030504040204" pitchFamily="50" charset="-128"/>
+                                </a:rPr>
+                                <m:t>𝑛</m:t>
+                              </m:r>
+                            </m:sub>
+                            <m:sup/>
+                            <m:e>
+                              <m:sSub>
+                                <m:sSubPr>
+                                  <m:ctrlPr>
+                                    <a:rPr lang="en-US" altLang="ja-JP" sz="1100" i="1">
+                                      <a:latin typeface="Cambria Math" panose="02040503050406030204" pitchFamily="18" charset="0"/>
+                                      <a:ea typeface="メイリオ" panose="020B0604030504040204" pitchFamily="50" charset="-128"/>
+                                    </a:rPr>
+                                  </m:ctrlPr>
+                                </m:sSubPr>
+                                <m:e>
+                                  <m:r>
+                                    <a:rPr lang="en-US" altLang="ja-JP" sz="1100" i="1">
+                                      <a:latin typeface="Cambria Math" panose="02040503050406030204" pitchFamily="18" charset="0"/>
+                                      <a:ea typeface="Cambria Math" panose="02040503050406030204" pitchFamily="18" charset="0"/>
+                                    </a:rPr>
+                                    <m:t>𝜖</m:t>
+                                  </m:r>
+                                </m:e>
+                                <m:sub>
+                                  <m:r>
+                                    <a:rPr lang="en-US" altLang="ja-JP" sz="1100" i="1">
+                                      <a:latin typeface="Cambria Math" panose="02040503050406030204" pitchFamily="18" charset="0"/>
+                                      <a:ea typeface="メイリオ" panose="020B0604030504040204" pitchFamily="50" charset="-128"/>
+                                    </a:rPr>
+                                    <m:t>𝑛</m:t>
+                                  </m:r>
+                                </m:sub>
+                              </m:sSub>
+                            </m:e>
+                          </m:nary>
+                          <m:r>
+                            <a:rPr lang="en-US" altLang="ja-JP" sz="1100" i="1">
+                              <a:latin typeface="Cambria Math" panose="02040503050406030204" pitchFamily="18" charset="0"/>
+                              <a:ea typeface="Cambria Math" panose="02040503050406030204" pitchFamily="18" charset="0"/>
+                            </a:rPr>
+                            <m:t>∆</m:t>
+                          </m:r>
+                          <m:r>
+                            <a:rPr lang="en-US" altLang="ja-JP" sz="1100" b="0" i="1" smtClean="0">
+                              <a:latin typeface="Cambria Math" panose="02040503050406030204" pitchFamily="18" charset="0"/>
+                              <a:ea typeface="Cambria Math" panose="02040503050406030204" pitchFamily="18" charset="0"/>
+                            </a:rPr>
+                            <m:t>𝑡</m:t>
+                          </m:r>
+                          <m:r>
+                            <a:rPr lang="en-US" altLang="ja-JP" sz="1100" b="0" i="1" smtClean="0">
+                              <a:latin typeface="Cambria Math" panose="02040503050406030204" pitchFamily="18" charset="0"/>
+                              <a:ea typeface="メイリオ" panose="020B0604030504040204" pitchFamily="50" charset="-128"/>
+                            </a:rPr>
+                            <m:t>+</m:t>
+                          </m:r>
+                          <m:sSub>
+                            <m:sSubPr>
+                              <m:ctrlPr>
+                                <a:rPr kumimoji="1" lang="en-US" altLang="ja-JP" sz="1100" b="0" i="1" smtClean="0">
+                                  <a:latin typeface="Cambria Math" panose="02040503050406030204" pitchFamily="18" charset="0"/>
+                                </a:rPr>
+                              </m:ctrlPr>
+                            </m:sSubPr>
+                            <m:e>
+                              <m:r>
+                                <m:rPr>
+                                  <m:sty m:val="p"/>
+                                </m:rPr>
+                                <a:rPr kumimoji="1" lang="en-US" altLang="ja-JP" sz="1100" b="0" i="0" smtClean="0">
+                                  <a:latin typeface="Cambria Math" panose="02040503050406030204" pitchFamily="18" charset="0"/>
+                                </a:rPr>
+                                <m:t>K</m:t>
+                              </m:r>
+                            </m:e>
+                            <m:sub>
+                              <m:r>
+                                <m:rPr>
+                                  <m:sty m:val="p"/>
+                                </m:rPr>
+                                <a:rPr kumimoji="1" lang="en-US" altLang="ja-JP" sz="1100" b="0" i="0" smtClean="0">
+                                  <a:latin typeface="Cambria Math" panose="02040503050406030204" pitchFamily="18" charset="0"/>
+                                </a:rPr>
+                                <m:t>D</m:t>
+                              </m:r>
+                            </m:sub>
+                          </m:sSub>
+                          <m:r>
+                            <a:rPr kumimoji="1" lang="en-US" altLang="ja-JP" sz="1100" b="0" i="1" smtClean="0">
+                              <a:latin typeface="Cambria Math" panose="02040503050406030204" pitchFamily="18" charset="0"/>
+                            </a:rPr>
+                            <m:t> </m:t>
+                          </m:r>
+                          <m:f>
+                            <m:fPr>
+                              <m:ctrlPr>
+                                <a:rPr kumimoji="1" lang="en-US" altLang="ja-JP" sz="1100" b="0" i="1" smtClean="0">
+                                  <a:latin typeface="Cambria Math" panose="02040503050406030204" pitchFamily="18" charset="0"/>
+                                </a:rPr>
+                              </m:ctrlPr>
+                            </m:fPr>
+                            <m:num>
+                              <m:sSub>
+                                <m:sSubPr>
+                                  <m:ctrlPr>
+                                    <a:rPr lang="en-US" altLang="ja-JP" sz="1100" i="1">
+                                      <a:latin typeface="Cambria Math" panose="02040503050406030204" pitchFamily="18" charset="0"/>
+                                      <a:ea typeface="メイリオ" panose="020B0604030504040204" pitchFamily="50" charset="-128"/>
+                                    </a:rPr>
+                                  </m:ctrlPr>
+                                </m:sSubPr>
+                                <m:e>
+                                  <m:r>
+                                    <a:rPr lang="en-US" altLang="ja-JP" sz="1100" i="1">
+                                      <a:latin typeface="Cambria Math" panose="02040503050406030204" pitchFamily="18" charset="0"/>
+                                      <a:ea typeface="Cambria Math" panose="02040503050406030204" pitchFamily="18" charset="0"/>
+                                    </a:rPr>
+                                    <m:t>𝜖</m:t>
+                                  </m:r>
+                                </m:e>
+                                <m:sub>
+                                  <m:r>
+                                    <a:rPr lang="en-US" altLang="ja-JP" sz="1100" i="1">
+                                      <a:latin typeface="Cambria Math" panose="02040503050406030204" pitchFamily="18" charset="0"/>
+                                      <a:ea typeface="メイリオ" panose="020B0604030504040204" pitchFamily="50" charset="-128"/>
+                                    </a:rPr>
+                                    <m:t>𝑛</m:t>
+                                  </m:r>
+                                </m:sub>
+                              </m:sSub>
+                              <m:r>
+                                <a:rPr lang="en-US" altLang="ja-JP" sz="1100" b="0" i="1" smtClean="0">
+                                  <a:latin typeface="Cambria Math" panose="02040503050406030204" pitchFamily="18" charset="0"/>
+                                  <a:ea typeface="メイリオ" panose="020B0604030504040204" pitchFamily="50" charset="-128"/>
+                                </a:rPr>
+                                <m:t>−</m:t>
+                              </m:r>
+                              <m:sSub>
+                                <m:sSubPr>
+                                  <m:ctrlPr>
+                                    <a:rPr lang="en-US" altLang="ja-JP" sz="1100" i="1">
+                                      <a:latin typeface="Cambria Math" panose="02040503050406030204" pitchFamily="18" charset="0"/>
+                                      <a:ea typeface="メイリオ" panose="020B0604030504040204" pitchFamily="50" charset="-128"/>
+                                    </a:rPr>
+                                  </m:ctrlPr>
+                                </m:sSubPr>
+                                <m:e>
+                                  <m:r>
+                                    <a:rPr lang="en-US" altLang="ja-JP" sz="1100" i="1">
+                                      <a:latin typeface="Cambria Math" panose="02040503050406030204" pitchFamily="18" charset="0"/>
+                                      <a:ea typeface="Cambria Math" panose="02040503050406030204" pitchFamily="18" charset="0"/>
+                                    </a:rPr>
+                                    <m:t>𝜖</m:t>
+                                  </m:r>
+                                </m:e>
+                                <m:sub>
+                                  <m:r>
+                                    <a:rPr lang="en-US" altLang="ja-JP" sz="1100" i="1">
+                                      <a:latin typeface="Cambria Math" panose="02040503050406030204" pitchFamily="18" charset="0"/>
+                                      <a:ea typeface="メイリオ" panose="020B0604030504040204" pitchFamily="50" charset="-128"/>
+                                    </a:rPr>
+                                    <m:t>𝑛</m:t>
+                                  </m:r>
+                                  <m:r>
+                                    <a:rPr lang="en-US" altLang="ja-JP" sz="1100" b="0" i="1" smtClean="0">
+                                      <a:latin typeface="Cambria Math" panose="02040503050406030204" pitchFamily="18" charset="0"/>
+                                      <a:ea typeface="メイリオ" panose="020B0604030504040204" pitchFamily="50" charset="-128"/>
+                                    </a:rPr>
+                                    <m:t>−1</m:t>
+                                  </m:r>
+                                </m:sub>
+                              </m:sSub>
+                            </m:num>
+                            <m:den>
+                              <m:r>
+                                <a:rPr lang="en-US" altLang="ja-JP" sz="1100" i="1">
+                                  <a:latin typeface="Cambria Math" panose="02040503050406030204" pitchFamily="18" charset="0"/>
+                                  <a:ea typeface="Cambria Math" panose="02040503050406030204" pitchFamily="18" charset="0"/>
+                                </a:rPr>
+                                <m:t>∆</m:t>
+                              </m:r>
+                              <m:r>
+                                <a:rPr lang="en-US" altLang="ja-JP" sz="1100" i="1">
+                                  <a:latin typeface="Cambria Math" panose="02040503050406030204" pitchFamily="18" charset="0"/>
+                                  <a:ea typeface="Cambria Math" panose="02040503050406030204" pitchFamily="18" charset="0"/>
+                                </a:rPr>
+                                <m:t>𝑡</m:t>
+                              </m:r>
+                            </m:den>
+                          </m:f>
+                          <m:r>
+                            <a:rPr kumimoji="1" lang="en-US" altLang="ja-JP" sz="1100" b="0" i="0" smtClean="0">
+                              <a:latin typeface="Cambria Math" panose="02040503050406030204" pitchFamily="18" charset="0"/>
+                            </a:rPr>
+                            <m:t>+</m:t>
+                          </m:r>
+                          <m:sSub>
+                            <m:sSubPr>
+                              <m:ctrlPr>
+                                <a:rPr lang="en-US" altLang="ja-JP" sz="1100" i="1">
+                                  <a:latin typeface="Cambria Math" panose="02040503050406030204" pitchFamily="18" charset="0"/>
+                                </a:rPr>
+                              </m:ctrlPr>
+                            </m:sSubPr>
+                            <m:e>
+                              <m:r>
+                                <m:rPr>
+                                  <m:sty m:val="p"/>
+                                </m:rPr>
+                                <a:rPr lang="en-US" altLang="ja-JP" sz="1100">
+                                  <a:latin typeface="Cambria Math" panose="02040503050406030204" pitchFamily="18" charset="0"/>
+                                </a:rPr>
+                                <m:t>K</m:t>
+                              </m:r>
+                            </m:e>
+                            <m:sub>
+                              <m:r>
+                                <m:rPr>
+                                  <m:sty m:val="p"/>
+                                </m:rPr>
+                                <a:rPr lang="en-US" altLang="ja-JP" sz="1100" i="1" smtClean="0">
+                                  <a:latin typeface="Cambria Math" panose="02040503050406030204" pitchFamily="18" charset="0"/>
+                                </a:rPr>
+                                <m:t>V</m:t>
+                              </m:r>
+                            </m:sub>
+                          </m:sSub>
+                          <m:r>
+                            <a:rPr kumimoji="1" lang="en-US" altLang="ja-JP" sz="1100" b="0" i="0" smtClean="0">
+                              <a:latin typeface="Cambria Math" panose="02040503050406030204" pitchFamily="18" charset="0"/>
+                            </a:rPr>
+                            <m:t>(</m:t>
+                          </m:r>
+                          <m:r>
+                            <a:rPr lang="ja-JP" altLang="en-US" sz="1100" i="1">
+                              <a:latin typeface="Cambria Math" panose="02040503050406030204" pitchFamily="18" charset="0"/>
+                            </a:rPr>
+                            <m:t>曲率</m:t>
+                          </m:r>
+                          <m:r>
+                            <a:rPr lang="ja-JP" altLang="en-US" sz="1100" i="1" smtClean="0">
+                              <a:latin typeface="Cambria Math" panose="02040503050406030204" pitchFamily="18" charset="0"/>
+                            </a:rPr>
+                            <m:t>項</m:t>
+                          </m:r>
+                          <m:r>
+                            <a:rPr kumimoji="1" lang="en-US" altLang="ja-JP" sz="1100" b="0" i="0" smtClean="0">
+                              <a:latin typeface="Cambria Math" panose="02040503050406030204" pitchFamily="18" charset="0"/>
+                            </a:rPr>
+                            <m:t>)</m:t>
+                          </m:r>
+                        </m:oMath>
+                      </m:oMathPara>
+                    </a14:m>
+                    <a:endParaRPr kumimoji="1" lang="ja-JP" altLang="en-US" sz="1100" dirty="0">
+                      <a:latin typeface="Meiryo UI" panose="020B0604030504040204" pitchFamily="50" charset="-128"/>
+                      <a:ea typeface="Meiryo UI" panose="020B0604030504040204" pitchFamily="50" charset="-128"/>
+                    </a:endParaRPr>
+                  </a:p>
+                </p:txBody>
+              </p:sp>
+            </mc:Choice>
+            <mc:Fallback>
+              <p:sp>
+                <p:nvSpPr>
+                  <p:cNvPr id="67" name="テキスト ボックス 66">
+                    <a:extLst>
+                      <a:ext uri="{FF2B5EF4-FFF2-40B4-BE49-F238E27FC236}">
+                        <a16:creationId xmlns:a16="http://schemas.microsoft.com/office/drawing/2014/main" id="{7B25E209-FEEA-694B-9BE1-F95FC225CFE4}"/>
+                      </a:ext>
+                    </a:extLst>
+                  </p:cNvPr>
+                  <p:cNvSpPr txBox="1">
+                    <a:spLocks noRot="1" noChangeAspect="1" noMove="1" noResize="1" noEditPoints="1" noAdjustHandles="1" noChangeArrowheads="1" noChangeShapeType="1" noTextEdit="1"/>
+                  </p:cNvSpPr>
+                  <p:nvPr/>
+                </p:nvSpPr>
+                <p:spPr>
+                  <a:xfrm>
+                    <a:off x="557035" y="6987694"/>
+                    <a:ext cx="3709080" cy="410753"/>
+                  </a:xfrm>
+                  <a:prstGeom prst="rect">
+                    <a:avLst/>
+                  </a:prstGeom>
+                  <a:blipFill>
+                    <a:blip r:embed="rId7"/>
+                    <a:stretch>
+                      <a:fillRect t="-138235" b="-194118"/>
+                    </a:stretch>
+                  </a:blipFill>
+                </p:spPr>
+                <p:txBody>
+                  <a:bodyPr/>
+                  <a:lstStyle/>
+                  <a:p>
+                    <a:r>
+                      <a:rPr lang="ja-JP" altLang="en-US">
+                        <a:noFill/>
+                      </a:rPr>
+                      <a:t> </a:t>
+                    </a:r>
+                  </a:p>
+                </p:txBody>
+              </p:sp>
+            </mc:Fallback>
+          </mc:AlternateContent>
+          <p:sp>
+            <p:nvSpPr>
+              <p:cNvPr id="68" name="テキスト ボックス 67">
+                <a:extLst>
+                  <a:ext uri="{FF2B5EF4-FFF2-40B4-BE49-F238E27FC236}">
+                    <a16:creationId xmlns:a16="http://schemas.microsoft.com/office/drawing/2014/main" id="{65FC4E28-1A15-F643-A898-0320176F6894}"/>
+                  </a:ext>
+                </a:extLst>
+              </p:cNvPr>
+              <p:cNvSpPr txBox="1"/>
+              <p:nvPr/>
+            </p:nvSpPr>
+            <p:spPr>
+              <a:xfrm>
+                <a:off x="253894" y="7061895"/>
+                <a:ext cx="606282" cy="261610"/>
+              </a:xfrm>
+              <a:prstGeom prst="rect">
+                <a:avLst/>
+              </a:prstGeom>
+              <a:noFill/>
+            </p:spPr>
+            <p:txBody>
+              <a:bodyPr wrap="square" rtlCol="0">
+                <a:spAutoFit/>
+              </a:bodyPr>
+              <a:lstStyle/>
+              <a:p>
+                <a:pPr algn="ctr"/>
+                <a:r>
+                  <a:rPr kumimoji="1" lang="ja-JP" altLang="en-US" sz="1100">
+                    <a:latin typeface="メイリオ" panose="020B0604030504040204" pitchFamily="50" charset="-128"/>
+                    <a:ea typeface="メイリオ" panose="020B0604030504040204" pitchFamily="50" charset="-128"/>
+                  </a:rPr>
+                  <a:t>旋回量</a:t>
+                </a:r>
+                <a:endParaRPr kumimoji="1" lang="ja-JP" altLang="en-US" sz="1100" dirty="0">
+                  <a:latin typeface="メイリオ" panose="020B0604030504040204" pitchFamily="50" charset="-128"/>
+                  <a:ea typeface="メイリオ" panose="020B0604030504040204" pitchFamily="50" charset="-128"/>
+                </a:endParaRPr>
+              </a:p>
+            </p:txBody>
+          </p:sp>
+        </p:grpSp>
+        <p:grpSp>
+          <p:nvGrpSpPr>
+            <p:cNvPr id="59" name="グループ化 58">
+              <a:extLst>
+                <a:ext uri="{FF2B5EF4-FFF2-40B4-BE49-F238E27FC236}">
+                  <a16:creationId xmlns:a16="http://schemas.microsoft.com/office/drawing/2014/main" id="{5D08103E-96E8-9A49-808E-2575974E3E44}"/>
+                </a:ext>
+              </a:extLst>
+            </p:cNvPr>
+            <p:cNvGrpSpPr/>
+            <p:nvPr/>
+          </p:nvGrpSpPr>
+          <p:grpSpPr>
+            <a:xfrm>
+              <a:off x="4208419" y="6919237"/>
+              <a:ext cx="2098951" cy="936747"/>
+              <a:chOff x="4140800" y="6939946"/>
+              <a:chExt cx="2098951" cy="936747"/>
+            </a:xfrm>
+          </p:grpSpPr>
+          <p:grpSp>
+            <p:nvGrpSpPr>
+              <p:cNvPr id="60" name="グループ化 59">
+                <a:extLst>
+                  <a:ext uri="{FF2B5EF4-FFF2-40B4-BE49-F238E27FC236}">
+                    <a16:creationId xmlns:a16="http://schemas.microsoft.com/office/drawing/2014/main" id="{619DD70C-3750-0E48-ACFE-4615DA7D9539}"/>
+                  </a:ext>
+                </a:extLst>
+              </p:cNvPr>
+              <p:cNvGrpSpPr/>
+              <p:nvPr/>
+            </p:nvGrpSpPr>
+            <p:grpSpPr>
+              <a:xfrm>
+                <a:off x="4620622" y="6939946"/>
+                <a:ext cx="1619129" cy="936747"/>
+                <a:chOff x="4676720" y="4879115"/>
+                <a:chExt cx="1944218" cy="725564"/>
+              </a:xfrm>
+            </p:grpSpPr>
+            <p:grpSp>
+              <p:nvGrpSpPr>
+                <p:cNvPr id="62" name="グループ化 61">
+                  <a:extLst>
+                    <a:ext uri="{FF2B5EF4-FFF2-40B4-BE49-F238E27FC236}">
+                      <a16:creationId xmlns:a16="http://schemas.microsoft.com/office/drawing/2014/main" id="{19FD0183-C0FF-6341-8E20-345792435F85}"/>
+                    </a:ext>
+                  </a:extLst>
+                </p:cNvPr>
+                <p:cNvGrpSpPr/>
+                <p:nvPr/>
+              </p:nvGrpSpPr>
+              <p:grpSpPr>
+                <a:xfrm>
+                  <a:off x="4676720" y="4879115"/>
+                  <a:ext cx="1944218" cy="715173"/>
+                  <a:chOff x="3082951" y="5049527"/>
+                  <a:chExt cx="1918365" cy="753628"/>
+                </a:xfrm>
+              </p:grpSpPr>
+              <mc:AlternateContent xmlns:mc="http://schemas.openxmlformats.org/markup-compatibility/2006">
+                <mc:Choice xmlns:a14="http://schemas.microsoft.com/office/drawing/2010/main" Requires="a14">
+                  <p:sp>
+                    <p:nvSpPr>
+                      <p:cNvPr id="64" name="テキスト ボックス 63">
+                        <a:extLst>
+                          <a:ext uri="{FF2B5EF4-FFF2-40B4-BE49-F238E27FC236}">
+                            <a16:creationId xmlns:a16="http://schemas.microsoft.com/office/drawing/2014/main" id="{6F6D3082-7391-634D-8462-6FB245345B08}"/>
+                          </a:ext>
+                        </a:extLst>
+                      </p:cNvPr>
+                      <p:cNvSpPr txBox="1"/>
+                      <p:nvPr/>
+                    </p:nvSpPr>
+                    <p:spPr>
+                      <a:xfrm>
+                        <a:off x="3082951" y="5049527"/>
+                        <a:ext cx="280687" cy="753628"/>
+                      </a:xfrm>
+                      <a:prstGeom prst="rect">
+                        <a:avLst/>
+                      </a:prstGeom>
+                      <a:noFill/>
+                    </p:spPr>
+                    <p:txBody>
+                      <a:bodyPr wrap="square" rtlCol="0">
+                        <a:spAutoFit/>
+                      </a:bodyPr>
+                      <a:lstStyle/>
+                      <a:p>
+                        <a:pPr/>
+                        <a14:m>
+                          <m:oMathPara xmlns:m="http://schemas.openxmlformats.org/officeDocument/2006/math">
+                            <m:oMathParaPr>
+                              <m:jc m:val="centerGroup"/>
+                            </m:oMathParaPr>
+                            <m:oMath xmlns:m="http://schemas.openxmlformats.org/officeDocument/2006/math">
+                              <m:sSub>
+                                <m:sSubPr>
+                                  <m:ctrlPr>
+                                    <a:rPr lang="en-US" altLang="ja-JP" sz="900" i="1" smtClean="0">
+                                      <a:latin typeface="Cambria Math" panose="02040503050406030204" pitchFamily="18" charset="0"/>
+                                    </a:rPr>
+                                  </m:ctrlPr>
+                                </m:sSubPr>
+                                <m:e>
+                                  <m:r>
+                                    <m:rPr>
+                                      <m:sty m:val="p"/>
+                                    </m:rPr>
+                                    <a:rPr lang="en-US" altLang="ja-JP" sz="900" i="0">
+                                      <a:latin typeface="Cambria Math" panose="02040503050406030204" pitchFamily="18" charset="0"/>
+                                    </a:rPr>
+                                    <m:t>K</m:t>
+                                  </m:r>
+                                </m:e>
+                                <m:sub>
+                                  <m:r>
+                                    <m:rPr>
+                                      <m:sty m:val="p"/>
+                                    </m:rPr>
+                                    <a:rPr lang="en-US" altLang="ja-JP" sz="900" i="0">
+                                      <a:latin typeface="Cambria Math" panose="02040503050406030204" pitchFamily="18" charset="0"/>
+                                    </a:rPr>
+                                    <m:t>P</m:t>
+                                  </m:r>
+                                </m:sub>
+                              </m:sSub>
+                            </m:oMath>
+                          </m:oMathPara>
+                        </a14:m>
+                        <a:endParaRPr lang="en-US" altLang="ja-JP" sz="900" dirty="0">
+                          <a:latin typeface="メイリオ" panose="020B0604030504040204" pitchFamily="50" charset="-128"/>
+                          <a:ea typeface="メイリオ" panose="020B0604030504040204" pitchFamily="50" charset="-128"/>
+                        </a:endParaRPr>
+                      </a:p>
+                      <a:p>
+                        <a:pPr/>
+                        <a14:m>
+                          <m:oMathPara xmlns:m="http://schemas.openxmlformats.org/officeDocument/2006/math">
+                            <m:oMathParaPr>
+                              <m:jc m:val="centerGroup"/>
+                            </m:oMathParaPr>
+                            <m:oMath xmlns:m="http://schemas.openxmlformats.org/officeDocument/2006/math">
+                              <m:sSub>
+                                <m:sSubPr>
+                                  <m:ctrlPr>
+                                    <a:rPr lang="en-US" altLang="ja-JP" sz="900" i="1">
+                                      <a:latin typeface="Cambria Math" panose="02040503050406030204" pitchFamily="18" charset="0"/>
+                                    </a:rPr>
+                                  </m:ctrlPr>
+                                </m:sSubPr>
+                                <m:e>
+                                  <m:r>
+                                    <m:rPr>
+                                      <m:sty m:val="p"/>
+                                    </m:rPr>
+                                    <a:rPr lang="en-US" altLang="ja-JP" sz="900" i="0">
+                                      <a:latin typeface="Cambria Math" panose="02040503050406030204" pitchFamily="18" charset="0"/>
+                                    </a:rPr>
+                                    <m:t>K</m:t>
+                                  </m:r>
+                                </m:e>
+                                <m:sub>
+                                  <m:r>
+                                    <m:rPr>
+                                      <m:sty m:val="p"/>
+                                    </m:rPr>
+                                    <a:rPr lang="en-US" altLang="ja-JP" sz="900" i="0">
+                                      <a:latin typeface="Cambria Math" panose="02040503050406030204" pitchFamily="18" charset="0"/>
+                                    </a:rPr>
+                                    <m:t>I</m:t>
+                                  </m:r>
+                                </m:sub>
+                              </m:sSub>
+                            </m:oMath>
+                          </m:oMathPara>
+                        </a14:m>
+                        <a:endParaRPr kumimoji="1" lang="en-US" altLang="ja-JP" sz="900" dirty="0">
+                          <a:latin typeface="メイリオ" panose="020B0604030504040204" pitchFamily="50" charset="-128"/>
+                          <a:ea typeface="メイリオ" panose="020B0604030504040204" pitchFamily="50" charset="-128"/>
+                        </a:endParaRPr>
+                      </a:p>
+                      <a:p>
+                        <a:pPr/>
+                        <a14:m>
+                          <m:oMathPara xmlns:m="http://schemas.openxmlformats.org/officeDocument/2006/math">
+                            <m:oMathParaPr>
+                              <m:jc m:val="centerGroup"/>
+                            </m:oMathParaPr>
+                            <m:oMath xmlns:m="http://schemas.openxmlformats.org/officeDocument/2006/math">
+                              <m:sSub>
+                                <m:sSubPr>
+                                  <m:ctrlPr>
+                                    <a:rPr lang="en-US" altLang="ja-JP" sz="900" i="1">
+                                      <a:latin typeface="Cambria Math" panose="02040503050406030204" pitchFamily="18" charset="0"/>
+                                    </a:rPr>
+                                  </m:ctrlPr>
+                                </m:sSubPr>
+                                <m:e>
+                                  <m:r>
+                                    <m:rPr>
+                                      <m:sty m:val="p"/>
+                                    </m:rPr>
+                                    <a:rPr lang="en-US" altLang="ja-JP" sz="900">
+                                      <a:latin typeface="Cambria Math" panose="02040503050406030204" pitchFamily="18" charset="0"/>
+                                    </a:rPr>
+                                    <m:t>K</m:t>
+                                  </m:r>
+                                </m:e>
+                                <m:sub>
+                                  <m:r>
+                                    <m:rPr>
+                                      <m:sty m:val="p"/>
+                                    </m:rPr>
+                                    <a:rPr lang="en-US" altLang="ja-JP" sz="900">
+                                      <a:latin typeface="Cambria Math" panose="02040503050406030204" pitchFamily="18" charset="0"/>
+                                    </a:rPr>
+                                    <m:t>D</m:t>
+                                  </m:r>
+                                </m:sub>
+                              </m:sSub>
+                            </m:oMath>
+                          </m:oMathPara>
+                        </a14:m>
+                        <a:endParaRPr lang="en-US" altLang="ja-JP" sz="900" dirty="0">
+                          <a:latin typeface="メイリオ" panose="020B0604030504040204" pitchFamily="50" charset="-128"/>
+                          <a:ea typeface="メイリオ" panose="020B0604030504040204" pitchFamily="50" charset="-128"/>
+                        </a:endParaRPr>
+                      </a:p>
+                      <a:p>
+                        <a14:m>
+                          <m:oMathPara xmlns:m="http://schemas.openxmlformats.org/officeDocument/2006/math">
+                            <m:oMathParaPr>
+                              <m:jc m:val="centerGroup"/>
+                            </m:oMathParaPr>
+                            <m:oMath xmlns:m="http://schemas.openxmlformats.org/officeDocument/2006/math">
+                              <m:sSub>
+                                <m:sSubPr>
+                                  <m:ctrlPr>
+                                    <a:rPr lang="en-US" altLang="ja-JP" sz="900" i="1">
+                                      <a:latin typeface="Cambria Math" panose="02040503050406030204" pitchFamily="18" charset="0"/>
+                                    </a:rPr>
+                                  </m:ctrlPr>
+                                </m:sSubPr>
+                                <m:e>
+                                  <m:r>
+                                    <m:rPr>
+                                      <m:sty m:val="p"/>
+                                    </m:rPr>
+                                    <a:rPr lang="en-US" altLang="ja-JP" sz="900">
+                                      <a:latin typeface="Cambria Math" panose="02040503050406030204" pitchFamily="18" charset="0"/>
+                                    </a:rPr>
+                                    <m:t>K</m:t>
+                                  </m:r>
+                                </m:e>
+                                <m:sub>
+                                  <m:r>
+                                    <m:rPr>
+                                      <m:sty m:val="p"/>
+                                    </m:rPr>
+                                    <a:rPr lang="en-US" altLang="ja-JP" sz="900" b="0" i="0" smtClean="0">
+                                      <a:latin typeface="Cambria Math" panose="02040503050406030204" pitchFamily="18" charset="0"/>
+                                    </a:rPr>
+                                    <m:t>V</m:t>
+                                  </m:r>
+                                </m:sub>
+                              </m:sSub>
+                            </m:oMath>
+                          </m:oMathPara>
+                        </a14:m>
+                        <a:endParaRPr lang="en-US" altLang="ja-JP" sz="900" dirty="0">
+                          <a:latin typeface="メイリオ" panose="020B0604030504040204" pitchFamily="50" charset="-128"/>
+                          <a:ea typeface="メイリオ" panose="020B0604030504040204" pitchFamily="50" charset="-128"/>
+                        </a:endParaRPr>
+                      </a:p>
+                      <a:p>
+                        <a:pPr/>
+                        <a14:m>
+                          <m:oMathPara xmlns:m="http://schemas.openxmlformats.org/officeDocument/2006/math">
+                            <m:oMathParaPr>
+                              <m:jc m:val="centerGroup"/>
+                            </m:oMathParaPr>
+                            <m:oMath xmlns:m="http://schemas.openxmlformats.org/officeDocument/2006/math">
+                              <m:sSub>
+                                <m:sSubPr>
+                                  <m:ctrlPr>
+                                    <a:rPr lang="en-US" altLang="ja-JP" sz="900" i="1" smtClean="0">
+                                      <a:latin typeface="Cambria Math" panose="02040503050406030204" pitchFamily="18" charset="0"/>
+                                      <a:ea typeface="メイリオ" panose="020B0604030504040204" pitchFamily="50" charset="-128"/>
+                                    </a:rPr>
+                                  </m:ctrlPr>
+                                </m:sSubPr>
+                                <m:e>
+                                  <m:r>
+                                    <a:rPr lang="en-US" altLang="ja-JP" sz="900" i="1" smtClean="0">
+                                      <a:latin typeface="Cambria Math" panose="02040503050406030204" pitchFamily="18" charset="0"/>
+                                      <a:ea typeface="Cambria Math" panose="02040503050406030204" pitchFamily="18" charset="0"/>
+                                    </a:rPr>
+                                    <m:t>𝜖</m:t>
+                                  </m:r>
+                                </m:e>
+                                <m:sub>
+                                  <m:r>
+                                    <a:rPr lang="en-US" altLang="ja-JP" sz="900" b="0" i="1" smtClean="0">
+                                      <a:latin typeface="Cambria Math" panose="02040503050406030204" pitchFamily="18" charset="0"/>
+                                      <a:ea typeface="メイリオ" panose="020B0604030504040204" pitchFamily="50" charset="-128"/>
+                                    </a:rPr>
+                                    <m:t>𝑛</m:t>
+                                  </m:r>
+                                </m:sub>
+                              </m:sSub>
+                            </m:oMath>
+                          </m:oMathPara>
+                        </a14:m>
+                        <a:endParaRPr lang="en-US" altLang="ja-JP" sz="900" dirty="0">
+                          <a:latin typeface="メイリオ" panose="020B0604030504040204" pitchFamily="50" charset="-128"/>
+                          <a:ea typeface="メイリオ" panose="020B0604030504040204" pitchFamily="50" charset="-128"/>
+                        </a:endParaRPr>
+                      </a:p>
+                      <a:p>
+                        <a:pPr/>
+                        <a14:m>
+                          <m:oMathPara xmlns:m="http://schemas.openxmlformats.org/officeDocument/2006/math">
+                            <m:oMathParaPr>
+                              <m:jc m:val="centerGroup"/>
+                            </m:oMathParaPr>
+                            <m:oMath xmlns:m="http://schemas.openxmlformats.org/officeDocument/2006/math">
+                              <m:r>
+                                <a:rPr lang="en-US" altLang="ja-JP" sz="900" i="1">
+                                  <a:latin typeface="Cambria Math" panose="02040503050406030204" pitchFamily="18" charset="0"/>
+                                  <a:ea typeface="Cambria Math" panose="02040503050406030204" pitchFamily="18" charset="0"/>
+                                </a:rPr>
+                                <m:t>∆</m:t>
+                              </m:r>
+                              <m:r>
+                                <a:rPr lang="en-US" altLang="ja-JP" sz="900" i="1">
+                                  <a:latin typeface="Cambria Math" panose="02040503050406030204" pitchFamily="18" charset="0"/>
+                                  <a:ea typeface="Cambria Math" panose="02040503050406030204" pitchFamily="18" charset="0"/>
+                                </a:rPr>
+                                <m:t>𝑡</m:t>
+                              </m:r>
+                            </m:oMath>
+                          </m:oMathPara>
+                        </a14:m>
+                        <a:endParaRPr lang="ja-JP" altLang="en-US" sz="900" dirty="0">
+                          <a:latin typeface="メイリオ" panose="020B0604030504040204" pitchFamily="50" charset="-128"/>
+                          <a:ea typeface="メイリオ" panose="020B0604030504040204" pitchFamily="50" charset="-128"/>
+                        </a:endParaRPr>
+                      </a:p>
+                    </p:txBody>
+                  </p:sp>
+                </mc:Choice>
+                <mc:Fallback>
+                  <p:sp>
+                    <p:nvSpPr>
+                      <p:cNvPr id="64" name="テキスト ボックス 63">
+                        <a:extLst>
+                          <a:ext uri="{FF2B5EF4-FFF2-40B4-BE49-F238E27FC236}">
+                            <a16:creationId xmlns:a16="http://schemas.microsoft.com/office/drawing/2014/main" id="{6F6D3082-7391-634D-8462-6FB245345B08}"/>
+                          </a:ext>
+                        </a:extLst>
+                      </p:cNvPr>
+                      <p:cNvSpPr txBox="1">
+                        <a:spLocks noRot="1" noChangeAspect="1" noMove="1" noResize="1" noEditPoints="1" noAdjustHandles="1" noChangeArrowheads="1" noChangeShapeType="1" noTextEdit="1"/>
+                      </p:cNvSpPr>
+                      <p:nvPr/>
+                    </p:nvSpPr>
+                    <p:spPr>
+                      <a:xfrm>
+                        <a:off x="3082951" y="5049527"/>
+                        <a:ext cx="280687" cy="753628"/>
+                      </a:xfrm>
+                      <a:prstGeom prst="rect">
+                        <a:avLst/>
+                      </a:prstGeom>
+                      <a:blipFill>
+                        <a:blip r:embed="rId8"/>
+                        <a:stretch>
+                          <a:fillRect r="-5000"/>
+                        </a:stretch>
+                      </a:blipFill>
+                    </p:spPr>
+                    <p:txBody>
+                      <a:bodyPr/>
+                      <a:lstStyle/>
+                      <a:p>
+                        <a:r>
+                          <a:rPr lang="ja-JP" altLang="en-US">
+                            <a:noFill/>
+                          </a:rPr>
+                          <a:t> </a:t>
+                        </a:r>
+                      </a:p>
+                    </p:txBody>
+                  </p:sp>
+                </mc:Fallback>
+              </mc:AlternateContent>
+              <p:sp>
+                <p:nvSpPr>
+                  <p:cNvPr id="65" name="左大かっこ 64">
+                    <a:extLst>
+                      <a:ext uri="{FF2B5EF4-FFF2-40B4-BE49-F238E27FC236}">
+                        <a16:creationId xmlns:a16="http://schemas.microsoft.com/office/drawing/2014/main" id="{05FE3325-AC3F-CC41-882B-C5343434188E}"/>
+                      </a:ext>
+                    </a:extLst>
+                  </p:cNvPr>
+                  <p:cNvSpPr/>
+                  <p:nvPr/>
+                </p:nvSpPr>
+                <p:spPr>
+                  <a:xfrm flipH="1">
+                    <a:off x="4941433" y="5080225"/>
+                    <a:ext cx="59883" cy="666536"/>
+                  </a:xfrm>
+                  <a:prstGeom prst="leftBracket">
+                    <a:avLst/>
+                  </a:prstGeom>
+                </p:spPr>
+                <p:style>
+                  <a:lnRef idx="1">
+                    <a:schemeClr val="dk1"/>
+                  </a:lnRef>
+                  <a:fillRef idx="0">
+                    <a:schemeClr val="dk1"/>
+                  </a:fillRef>
+                  <a:effectRef idx="0">
+                    <a:schemeClr val="dk1"/>
+                  </a:effectRef>
+                  <a:fontRef idx="minor">
+                    <a:schemeClr val="tx1"/>
+                  </a:fontRef>
+                </p:style>
+                <p:txBody>
+                  <a:bodyPr rtlCol="0" anchor="ctr"/>
+                  <a:lstStyle/>
+                  <a:p>
+                    <a:pPr algn="ctr"/>
+                    <a:endParaRPr kumimoji="1" lang="ja-JP" altLang="en-US" sz="1050"/>
+                  </a:p>
+                </p:txBody>
+              </p:sp>
+              <p:sp>
+                <p:nvSpPr>
+                  <p:cNvPr id="66" name="左大かっこ 65">
+                    <a:extLst>
+                      <a:ext uri="{FF2B5EF4-FFF2-40B4-BE49-F238E27FC236}">
+                        <a16:creationId xmlns:a16="http://schemas.microsoft.com/office/drawing/2014/main" id="{6239761C-D0AC-E743-B3C4-4858D8CAE84E}"/>
+                      </a:ext>
+                    </a:extLst>
+                  </p:cNvPr>
+                  <p:cNvSpPr/>
+                  <p:nvPr/>
+                </p:nvSpPr>
+                <p:spPr>
+                  <a:xfrm>
+                    <a:off x="3082951" y="5076976"/>
+                    <a:ext cx="62697" cy="669787"/>
+                  </a:xfrm>
+                  <a:prstGeom prst="leftBracket">
+                    <a:avLst/>
+                  </a:prstGeom>
+                </p:spPr>
+                <p:style>
+                  <a:lnRef idx="1">
+                    <a:schemeClr val="dk1"/>
+                  </a:lnRef>
+                  <a:fillRef idx="0">
+                    <a:schemeClr val="dk1"/>
+                  </a:fillRef>
+                  <a:effectRef idx="0">
+                    <a:schemeClr val="dk1"/>
+                  </a:effectRef>
+                  <a:fontRef idx="minor">
+                    <a:schemeClr val="tx1"/>
+                  </a:fontRef>
+                </p:style>
+                <p:txBody>
+                  <a:bodyPr rtlCol="0" anchor="ctr"/>
+                  <a:lstStyle/>
+                  <a:p>
+                    <a:pPr algn="ctr"/>
+                    <a:endParaRPr kumimoji="1" lang="ja-JP" altLang="en-US" sz="1050"/>
+                  </a:p>
+                </p:txBody>
+              </p:sp>
+            </p:grpSp>
+            <p:sp>
+              <p:nvSpPr>
+                <p:cNvPr id="63" name="テキスト ボックス 62">
+                  <a:extLst>
+                    <a:ext uri="{FF2B5EF4-FFF2-40B4-BE49-F238E27FC236}">
+                      <a16:creationId xmlns:a16="http://schemas.microsoft.com/office/drawing/2014/main" id="{01E92FB7-C3DF-6149-B2A1-37EF816FD854}"/>
+                    </a:ext>
+                  </a:extLst>
+                </p:cNvPr>
+                <p:cNvSpPr txBox="1"/>
+                <p:nvPr/>
+              </p:nvSpPr>
+              <p:spPr>
+                <a:xfrm>
+                  <a:off x="4850575" y="4889507"/>
+                  <a:ext cx="1761865" cy="715172"/>
+                </a:xfrm>
+                <a:prstGeom prst="rect">
+                  <a:avLst/>
+                </a:prstGeom>
+                <a:noFill/>
+              </p:spPr>
+              <p:txBody>
+                <a:bodyPr wrap="square" rtlCol="0">
+                  <a:spAutoFit/>
+                </a:bodyPr>
+                <a:lstStyle/>
+                <a:p>
+                  <a:r>
+                    <a:rPr lang="en-US" altLang="ja-JP" sz="900" dirty="0">
+                      <a:latin typeface="メイリオ" panose="020B0604030504040204" pitchFamily="50" charset="-128"/>
+                      <a:ea typeface="メイリオ" panose="020B0604030504040204" pitchFamily="50" charset="-128"/>
+                    </a:rPr>
+                    <a:t>:</a:t>
+                  </a:r>
+                  <a:r>
+                    <a:rPr lang="ja-JP" altLang="en-US" sz="900" dirty="0">
+                      <a:latin typeface="メイリオ" panose="020B0604030504040204" pitchFamily="50" charset="-128"/>
+                      <a:ea typeface="メイリオ" panose="020B0604030504040204" pitchFamily="50" charset="-128"/>
+                    </a:rPr>
+                    <a:t>比例制御ゲイン</a:t>
+                  </a:r>
+                  <a:endParaRPr lang="en-US" altLang="ja-JP" sz="900" dirty="0">
+                    <a:latin typeface="メイリオ" panose="020B0604030504040204" pitchFamily="50" charset="-128"/>
+                    <a:ea typeface="メイリオ" panose="020B0604030504040204" pitchFamily="50" charset="-128"/>
+                  </a:endParaRPr>
+                </a:p>
+                <a:p>
+                  <a:r>
+                    <a:rPr lang="en-US" altLang="ja-JP" sz="900" dirty="0">
+                      <a:latin typeface="メイリオ" panose="020B0604030504040204" pitchFamily="50" charset="-128"/>
+                      <a:ea typeface="メイリオ" panose="020B0604030504040204" pitchFamily="50" charset="-128"/>
+                    </a:rPr>
+                    <a:t>:</a:t>
+                  </a:r>
+                  <a:r>
+                    <a:rPr lang="ja-JP" altLang="en-US" sz="900" dirty="0">
+                      <a:latin typeface="メイリオ" panose="020B0604030504040204" pitchFamily="50" charset="-128"/>
+                      <a:ea typeface="メイリオ" panose="020B0604030504040204" pitchFamily="50" charset="-128"/>
+                    </a:rPr>
+                    <a:t>積分制御ゲイン　　</a:t>
+                  </a:r>
+                  <a:endParaRPr lang="en-US" altLang="ja-JP" sz="900" dirty="0">
+                    <a:latin typeface="メイリオ" panose="020B0604030504040204" pitchFamily="50" charset="-128"/>
+                    <a:ea typeface="メイリオ" panose="020B0604030504040204" pitchFamily="50" charset="-128"/>
+                  </a:endParaRPr>
+                </a:p>
+                <a:p>
+                  <a:r>
+                    <a:rPr lang="en-US" altLang="ja-JP" sz="900" dirty="0">
+                      <a:latin typeface="メイリオ" panose="020B0604030504040204" pitchFamily="50" charset="-128"/>
+                      <a:ea typeface="メイリオ" panose="020B0604030504040204" pitchFamily="50" charset="-128"/>
+                    </a:rPr>
+                    <a:t>:</a:t>
+                  </a:r>
+                  <a:r>
+                    <a:rPr lang="ja-JP" altLang="en-US" sz="900">
+                      <a:latin typeface="メイリオ" panose="020B0604030504040204" pitchFamily="50" charset="-128"/>
+                      <a:ea typeface="メイリオ" panose="020B0604030504040204" pitchFamily="50" charset="-128"/>
+                    </a:rPr>
+                    <a:t>微分制御ゲイン</a:t>
+                  </a:r>
+                  <a:endParaRPr lang="en-US" altLang="ja-JP" sz="900" dirty="0">
+                    <a:latin typeface="メイリオ" panose="020B0604030504040204" pitchFamily="50" charset="-128"/>
+                    <a:ea typeface="メイリオ" panose="020B0604030504040204" pitchFamily="50" charset="-128"/>
+                  </a:endParaRPr>
+                </a:p>
+                <a:p>
+                  <a:r>
+                    <a:rPr lang="en-US" altLang="ja-JP" sz="900" dirty="0">
+                      <a:latin typeface="メイリオ" panose="020B0604030504040204" pitchFamily="50" charset="-128"/>
+                      <a:ea typeface="メイリオ" panose="020B0604030504040204" pitchFamily="50" charset="-128"/>
+                    </a:rPr>
+                    <a:t>:</a:t>
+                  </a:r>
+                  <a:r>
+                    <a:rPr lang="ja-JP" altLang="en-US" sz="900">
+                      <a:latin typeface="メイリオ" panose="020B0604030504040204" pitchFamily="50" charset="-128"/>
+                      <a:ea typeface="メイリオ" panose="020B0604030504040204" pitchFamily="50" charset="-128"/>
+                    </a:rPr>
+                    <a:t>電圧低下補償係数</a:t>
+                  </a:r>
+                  <a:endParaRPr lang="en-US" altLang="ja-JP" sz="900" dirty="0">
+                    <a:latin typeface="メイリオ" panose="020B0604030504040204" pitchFamily="50" charset="-128"/>
+                    <a:ea typeface="メイリオ" panose="020B0604030504040204" pitchFamily="50" charset="-128"/>
+                  </a:endParaRPr>
+                </a:p>
+                <a:p>
+                  <a:r>
+                    <a:rPr lang="en-US" altLang="ja-JP" sz="900" dirty="0">
+                      <a:latin typeface="メイリオ" panose="020B0604030504040204" pitchFamily="50" charset="-128"/>
+                      <a:ea typeface="メイリオ" panose="020B0604030504040204" pitchFamily="50" charset="-128"/>
+                    </a:rPr>
+                    <a:t>:</a:t>
+                  </a:r>
+                  <a:r>
+                    <a:rPr lang="ja-JP" altLang="en-US" sz="900">
+                      <a:latin typeface="メイリオ" panose="020B0604030504040204" pitchFamily="50" charset="-128"/>
+                      <a:ea typeface="メイリオ" panose="020B0604030504040204" pitchFamily="50" charset="-128"/>
+                    </a:rPr>
+                    <a:t>輝度の目標値との偏差</a:t>
+                  </a:r>
+                  <a:endParaRPr lang="en-US" altLang="ja-JP" sz="900" dirty="0">
+                    <a:latin typeface="メイリオ" panose="020B0604030504040204" pitchFamily="50" charset="-128"/>
+                    <a:ea typeface="メイリオ" panose="020B0604030504040204" pitchFamily="50" charset="-128"/>
+                  </a:endParaRPr>
+                </a:p>
+                <a:p>
+                  <a:r>
+                    <a:rPr lang="en-US" altLang="ja-JP" sz="900" dirty="0">
+                      <a:latin typeface="メイリオ" panose="020B0604030504040204" pitchFamily="50" charset="-128"/>
+                      <a:ea typeface="メイリオ" panose="020B0604030504040204" pitchFamily="50" charset="-128"/>
+                    </a:rPr>
+                    <a:t>:</a:t>
+                  </a:r>
+                  <a:r>
+                    <a:rPr lang="ja-JP" altLang="en-US" sz="900">
+                      <a:latin typeface="メイリオ" panose="020B0604030504040204" pitchFamily="50" charset="-128"/>
+                      <a:ea typeface="メイリオ" panose="020B0604030504040204" pitchFamily="50" charset="-128"/>
+                    </a:rPr>
+                    <a:t>時間ステップ</a:t>
+                  </a:r>
+                  <a:r>
+                    <a:rPr lang="en-US" altLang="ja-JP" sz="900" dirty="0">
+                      <a:latin typeface="メイリオ" panose="020B0604030504040204" pitchFamily="50" charset="-128"/>
+                      <a:ea typeface="メイリオ" panose="020B0604030504040204" pitchFamily="50" charset="-128"/>
+                    </a:rPr>
+                    <a:t>(4[</a:t>
+                  </a:r>
+                  <a:r>
+                    <a:rPr lang="en-US" altLang="ja-JP" sz="900" dirty="0" err="1">
+                      <a:latin typeface="メイリオ" panose="020B0604030504040204" pitchFamily="50" charset="-128"/>
+                      <a:ea typeface="メイリオ" panose="020B0604030504040204" pitchFamily="50" charset="-128"/>
+                    </a:rPr>
+                    <a:t>ms</a:t>
+                  </a:r>
+                  <a:r>
+                    <a:rPr lang="en-US" altLang="ja-JP" sz="900" dirty="0">
+                      <a:latin typeface="メイリオ" panose="020B0604030504040204" pitchFamily="50" charset="-128"/>
+                      <a:ea typeface="メイリオ" panose="020B0604030504040204" pitchFamily="50" charset="-128"/>
+                    </a:rPr>
+                    <a:t>])</a:t>
+                  </a:r>
+                  <a:endParaRPr lang="ja-JP" altLang="en-US" sz="900" dirty="0">
+                    <a:latin typeface="メイリオ" panose="020B0604030504040204" pitchFamily="50" charset="-128"/>
+                    <a:ea typeface="メイリオ" panose="020B0604030504040204" pitchFamily="50" charset="-128"/>
+                  </a:endParaRPr>
+                </a:p>
+              </p:txBody>
+            </p:sp>
+          </p:grpSp>
+          <p:sp>
+            <p:nvSpPr>
+              <p:cNvPr id="61" name="テキスト ボックス 60">
+                <a:extLst>
+                  <a:ext uri="{FF2B5EF4-FFF2-40B4-BE49-F238E27FC236}">
+                    <a16:creationId xmlns:a16="http://schemas.microsoft.com/office/drawing/2014/main" id="{2DEA40E9-7A79-2B46-A480-568F4D795189}"/>
+                  </a:ext>
+                </a:extLst>
+              </p:cNvPr>
+              <p:cNvSpPr txBox="1"/>
+              <p:nvPr/>
+            </p:nvSpPr>
+            <p:spPr>
+              <a:xfrm>
+                <a:off x="4140800" y="7225056"/>
+                <a:ext cx="555806" cy="252587"/>
+              </a:xfrm>
+              <a:prstGeom prst="rect">
+                <a:avLst/>
+              </a:prstGeom>
+              <a:noFill/>
+            </p:spPr>
+            <p:txBody>
+              <a:bodyPr wrap="square" rtlCol="0">
+                <a:spAutoFit/>
+              </a:bodyPr>
+              <a:lstStyle/>
+              <a:p>
+                <a:pPr algn="ctr"/>
+                <a:r>
+                  <a:rPr lang="ja-JP" altLang="en-US" sz="1050"/>
+                  <a:t>ただし，</a:t>
+                </a:r>
+                <a:endParaRPr lang="en-US" altLang="ja-JP" sz="1050" dirty="0"/>
+              </a:p>
+            </p:txBody>
+          </p:sp>
+        </p:grpSp>
+      </p:grpSp>
     </p:spTree>
     <p:extLst>
       <p:ext uri="{BB962C8B-B14F-4D97-AF65-F5344CB8AC3E}">

--- a/工夫点.pptx
+++ b/工夫点.pptx
@@ -11428,7 +11428,7 @@
           <a:p>
             <a:r>
               <a:rPr lang="ja-JP" altLang="en-US" sz="1050"/>
-              <a:t>今年のコースは昨年と比較してカーブが多く，また，カーブの曲率も大きくなっている．そのため，完走率の向上にはよりロバストな旋回制御が必要であると考えた．</a:t>
+              <a:t>今年のコースは昨年と比較してカーブが多く，また，カーブの曲率も大きくなっている．そのため，完走率の向上には様々な外乱を考慮に入れたロバストな旋回量計算式が必要であると考えた．</a:t>
             </a:r>
             <a:endParaRPr kumimoji="1" lang="en-US" altLang="ja-JP" sz="1050" dirty="0"/>
           </a:p>
@@ -11726,8 +11726,8 @@
               <a:chExt cx="4161891" cy="410753"/>
             </a:xfrm>
           </p:grpSpPr>
-          <mc:AlternateContent xmlns:mc="http://schemas.openxmlformats.org/markup-compatibility/2006">
-            <mc:Choice xmlns:a14="http://schemas.microsoft.com/office/drawing/2010/main" Requires="a14">
+          <mc:AlternateContent xmlns:mc="http://schemas.openxmlformats.org/markup-compatibility/2006" xmlns:a14="http://schemas.microsoft.com/office/drawing/2010/main">
+            <mc:Choice Requires="a14">
               <p:sp>
                 <p:nvSpPr>
                   <p:cNvPr id="58" name="テキスト ボックス 57">
@@ -12113,19 +12113,7 @@
                             <a:rPr lang="ja-JP" altLang="en-US" sz="1100" i="1">
                               <a:latin typeface="Cambria Math" panose="02040503050406030204" pitchFamily="18" charset="0"/>
                             </a:rPr>
-                            <m:t>曲率</m:t>
-                          </m:r>
-                          <m:r>
-                            <a:rPr lang="ja-JP" altLang="en-US" sz="1100" i="1">
-                              <a:latin typeface="Cambria Math" panose="02040503050406030204" pitchFamily="18" charset="0"/>
-                            </a:rPr>
-                            <m:t>旋回</m:t>
-                          </m:r>
-                          <m:r>
-                            <a:rPr lang="ja-JP" altLang="en-US" sz="1100" i="1">
-                              <a:latin typeface="Cambria Math" panose="02040503050406030204" pitchFamily="18" charset="0"/>
-                            </a:rPr>
-                            <m:t>量</m:t>
+                            <m:t>曲率旋回量</m:t>
                           </m:r>
                           <m:r>
                             <a:rPr lang="ja-JP" altLang="en-US" sz="1100" i="1" smtClean="0">
@@ -12150,7 +12138,7 @@
                 </p:txBody>
               </p:sp>
             </mc:Choice>
-            <mc:Fallback>
+            <mc:Fallback xmlns="">
               <p:sp>
                 <p:nvSpPr>
                   <p:cNvPr id="58" name="テキスト ボックス 57">
@@ -14775,8 +14763,8 @@
               <a:chExt cx="4187757" cy="410753"/>
             </a:xfrm>
           </p:grpSpPr>
-          <mc:AlternateContent xmlns:mc="http://schemas.openxmlformats.org/markup-compatibility/2006">
-            <mc:Choice xmlns:a14="http://schemas.microsoft.com/office/drawing/2010/main" Requires="a14">
+          <mc:AlternateContent xmlns:mc="http://schemas.openxmlformats.org/markup-compatibility/2006" xmlns:a14="http://schemas.microsoft.com/office/drawing/2010/main">
+            <mc:Choice Requires="a14">
               <p:sp>
                 <p:nvSpPr>
                   <p:cNvPr id="86" name="テキスト ボックス 85">
@@ -15199,13 +15187,7 @@
                             <a:rPr lang="ja-JP" altLang="en-US" sz="1100" i="1">
                               <a:latin typeface="Cambria Math" panose="02040503050406030204" pitchFamily="18" charset="0"/>
                             </a:rPr>
-                            <m:t>曲率</m:t>
-                          </m:r>
-                          <m:r>
-                            <a:rPr lang="ja-JP" altLang="en-US" sz="1100" i="1">
-                              <a:latin typeface="Cambria Math" panose="02040503050406030204" pitchFamily="18" charset="0"/>
-                            </a:rPr>
-                            <m:t>旋回量</m:t>
+                            <m:t>曲率旋回量</m:t>
                           </m:r>
                           <m:r>
                             <a:rPr kumimoji="1" lang="en-US" altLang="ja-JP" sz="1100" b="0" i="0" smtClean="0">
@@ -15224,7 +15206,7 @@
                 </p:txBody>
               </p:sp>
             </mc:Choice>
-            <mc:Fallback>
+            <mc:Fallback xmlns="">
               <p:sp>
                 <p:nvSpPr>
                   <p:cNvPr id="86" name="テキスト ボックス 85">
@@ -16103,42 +16085,6 @@
           </a:prstGeom>
         </p:spPr>
       </p:pic>
-      <p:pic>
-        <p:nvPicPr>
-          <p:cNvPr id="35" name="図 34">
-            <a:extLst>
-              <a:ext uri="{FF2B5EF4-FFF2-40B4-BE49-F238E27FC236}">
-                <a16:creationId xmlns:a16="http://schemas.microsoft.com/office/drawing/2014/main" id="{491838A5-465C-0146-940B-72B56BB5B117}"/>
-              </a:ext>
-            </a:extLst>
-          </p:cNvPr>
-          <p:cNvPicPr>
-            <a:picLocks noChangeAspect="1"/>
-          </p:cNvPicPr>
-          <p:nvPr/>
-        </p:nvPicPr>
-        <p:blipFill>
-          <a:blip r:embed="rId10">
-            <a:extLst>
-              <a:ext uri="{28A0092B-C50C-407E-A947-70E740481C1C}">
-                <a14:useLocalDpi xmlns:a14="http://schemas.microsoft.com/office/drawing/2010/main" val="0"/>
-              </a:ext>
-            </a:extLst>
-          </a:blip>
-          <a:stretch>
-            <a:fillRect/>
-          </a:stretch>
-        </p:blipFill>
-        <p:spPr>
-          <a:xfrm>
-            <a:off x="9909085" y="1660327"/>
-            <a:ext cx="2609017" cy="2003353"/>
-          </a:xfrm>
-          <a:prstGeom prst="rect">
-            <a:avLst/>
-          </a:prstGeom>
-        </p:spPr>
-      </p:pic>
       <p:sp>
         <p:nvSpPr>
           <p:cNvPr id="96" name="テキスト ボックス 95">
@@ -17185,6 +17131,42 @@
           </p:txBody>
         </p:sp>
       </p:grpSp>
+      <p:pic>
+        <p:nvPicPr>
+          <p:cNvPr id="72" name="図 71">
+            <a:extLst>
+              <a:ext uri="{FF2B5EF4-FFF2-40B4-BE49-F238E27FC236}">
+                <a16:creationId xmlns:a16="http://schemas.microsoft.com/office/drawing/2014/main" id="{A6148471-C680-6449-9CBC-A622C9D0DA1B}"/>
+              </a:ext>
+            </a:extLst>
+          </p:cNvPr>
+          <p:cNvPicPr>
+            <a:picLocks noChangeAspect="1"/>
+          </p:cNvPicPr>
+          <p:nvPr/>
+        </p:nvPicPr>
+        <p:blipFill>
+          <a:blip r:embed="rId10">
+            <a:extLst>
+              <a:ext uri="{28A0092B-C50C-407E-A947-70E740481C1C}">
+                <a14:useLocalDpi xmlns:a14="http://schemas.microsoft.com/office/drawing/2010/main" val="0"/>
+              </a:ext>
+            </a:extLst>
+          </a:blip>
+          <a:stretch>
+            <a:fillRect/>
+          </a:stretch>
+        </p:blipFill>
+        <p:spPr>
+          <a:xfrm>
+            <a:off x="9939461" y="1699923"/>
+            <a:ext cx="2522885" cy="1954668"/>
+          </a:xfrm>
+          <a:prstGeom prst="rect">
+            <a:avLst/>
+          </a:prstGeom>
+        </p:spPr>
+      </p:pic>
     </p:spTree>
     <p:extLst>
       <p:ext uri="{BB962C8B-B14F-4D97-AF65-F5344CB8AC3E}">
